--- a/docs/diagrams/UndoRedoStartingStateListDiagram.pptx
+++ b/docs/diagrams/UndoRedoStartingStateListDiagram.pptx
@@ -112,10 +112,6 @@
 </p:presentation>
 </file>
 
-<file path=ppt/revisionInfo.xml><?xml version="1.0" encoding="utf-8"?>
-<p1510:revInfo xmlns:a="http://schemas.openxmlformats.org/drawingml/2006/main" xmlns:r="http://schemas.openxmlformats.org/officeDocument/2006/relationships" xmlns:p1510="http://schemas.microsoft.com/office/powerpoint/2015/10/main"/>
-</file>
-
 <file path=ppt/slideLayouts/slideLayout1.xml><?xml version="1.0" encoding="utf-8"?>
 <p:sldLayout xmlns:a="http://schemas.openxmlformats.org/drawingml/2006/main" xmlns:r="http://schemas.openxmlformats.org/officeDocument/2006/relationships" xmlns:p="http://schemas.openxmlformats.org/presentationml/2006/main" type="title" preserve="1">
   <p:cSld name="Title Slide">
@@ -245,7 +241,7 @@
           <a:p>
             <a:fld id="{8B2F8DF3-7CFE-4C7E-A62E-FD00A81FB0CD}" type="datetimeFigureOut">
               <a:rPr lang="en-US" smtClean="0"/>
-              <a:t>7/6/2018</a:t>
+              <a:t>11/11/2018</a:t>
             </a:fld>
             <a:endParaRPr lang="en-US"/>
           </a:p>
@@ -413,7 +409,7 @@
           <a:p>
             <a:fld id="{8B2F8DF3-7CFE-4C7E-A62E-FD00A81FB0CD}" type="datetimeFigureOut">
               <a:rPr lang="en-US" smtClean="0"/>
-              <a:t>7/6/2018</a:t>
+              <a:t>11/11/2018</a:t>
             </a:fld>
             <a:endParaRPr lang="en-US"/>
           </a:p>
@@ -591,7 +587,7 @@
           <a:p>
             <a:fld id="{8B2F8DF3-7CFE-4C7E-A62E-FD00A81FB0CD}" type="datetimeFigureOut">
               <a:rPr lang="en-US" smtClean="0"/>
-              <a:t>7/6/2018</a:t>
+              <a:t>11/11/2018</a:t>
             </a:fld>
             <a:endParaRPr lang="en-US"/>
           </a:p>
@@ -759,7 +755,7 @@
           <a:p>
             <a:fld id="{8B2F8DF3-7CFE-4C7E-A62E-FD00A81FB0CD}" type="datetimeFigureOut">
               <a:rPr lang="en-US" smtClean="0"/>
-              <a:t>7/6/2018</a:t>
+              <a:t>11/11/2018</a:t>
             </a:fld>
             <a:endParaRPr lang="en-US"/>
           </a:p>
@@ -1004,7 +1000,7 @@
           <a:p>
             <a:fld id="{8B2F8DF3-7CFE-4C7E-A62E-FD00A81FB0CD}" type="datetimeFigureOut">
               <a:rPr lang="en-US" smtClean="0"/>
-              <a:t>7/6/2018</a:t>
+              <a:t>11/11/2018</a:t>
             </a:fld>
             <a:endParaRPr lang="en-US"/>
           </a:p>
@@ -1233,7 +1229,7 @@
           <a:p>
             <a:fld id="{8B2F8DF3-7CFE-4C7E-A62E-FD00A81FB0CD}" type="datetimeFigureOut">
               <a:rPr lang="en-US" smtClean="0"/>
-              <a:t>7/6/2018</a:t>
+              <a:t>11/11/2018</a:t>
             </a:fld>
             <a:endParaRPr lang="en-US"/>
           </a:p>
@@ -1597,7 +1593,7 @@
           <a:p>
             <a:fld id="{8B2F8DF3-7CFE-4C7E-A62E-FD00A81FB0CD}" type="datetimeFigureOut">
               <a:rPr lang="en-US" smtClean="0"/>
-              <a:t>7/6/2018</a:t>
+              <a:t>11/11/2018</a:t>
             </a:fld>
             <a:endParaRPr lang="en-US"/>
           </a:p>
@@ -1714,7 +1710,7 @@
           <a:p>
             <a:fld id="{8B2F8DF3-7CFE-4C7E-A62E-FD00A81FB0CD}" type="datetimeFigureOut">
               <a:rPr lang="en-US" smtClean="0"/>
-              <a:t>7/6/2018</a:t>
+              <a:t>11/11/2018</a:t>
             </a:fld>
             <a:endParaRPr lang="en-US"/>
           </a:p>
@@ -1809,7 +1805,7 @@
           <a:p>
             <a:fld id="{8B2F8DF3-7CFE-4C7E-A62E-FD00A81FB0CD}" type="datetimeFigureOut">
               <a:rPr lang="en-US" smtClean="0"/>
-              <a:t>7/6/2018</a:t>
+              <a:t>11/11/2018</a:t>
             </a:fld>
             <a:endParaRPr lang="en-US"/>
           </a:p>
@@ -2084,7 +2080,7 @@
           <a:p>
             <a:fld id="{8B2F8DF3-7CFE-4C7E-A62E-FD00A81FB0CD}" type="datetimeFigureOut">
               <a:rPr lang="en-US" smtClean="0"/>
-              <a:t>7/6/2018</a:t>
+              <a:t>11/11/2018</a:t>
             </a:fld>
             <a:endParaRPr lang="en-US"/>
           </a:p>
@@ -2336,7 +2332,7 @@
           <a:p>
             <a:fld id="{8B2F8DF3-7CFE-4C7E-A62E-FD00A81FB0CD}" type="datetimeFigureOut">
               <a:rPr lang="en-US" smtClean="0"/>
-              <a:t>7/6/2018</a:t>
+              <a:t>11/11/2018</a:t>
             </a:fld>
             <a:endParaRPr lang="en-US"/>
           </a:p>
@@ -2547,7 +2543,7 @@
           <a:p>
             <a:fld id="{8B2F8DF3-7CFE-4C7E-A62E-FD00A81FB0CD}" type="datetimeFigureOut">
               <a:rPr lang="en-US" smtClean="0"/>
-              <a:t>7/6/2018</a:t>
+              <a:t>11/11/2018</a:t>
             </a:fld>
             <a:endParaRPr lang="en-US"/>
           </a:p>
@@ -2982,16 +2978,10 @@
           <a:p>
             <a:pPr algn="ctr"/>
             <a:r>
-              <a:rPr lang="en-SG" dirty="0" err="1">
-                <a:latin typeface="Consolas" panose="020B0609020204030204" pitchFamily="49" charset="0"/>
-              </a:rPr>
-              <a:t>currentStatePointer</a:t>
-            </a:r>
-            <a:r>
               <a:rPr lang="en-SG" dirty="0">
                 <a:latin typeface="Consolas" panose="020B0609020204030204" pitchFamily="49" charset="0"/>
               </a:rPr>
-              <a:t> = 0</a:t>
+              <a:t>currentStatePointer = 0</a:t>
             </a:r>
           </a:p>
         </p:txBody>
@@ -3011,14 +3001,14 @@
           <p:nvPr>
             <p:extLst>
               <p:ext uri="{D42A27DB-BD31-4B8C-83A1-F6EECF244321}">
-                <p14:modId xmlns:p14="http://schemas.microsoft.com/office/powerpoint/2010/main" val="1292556626"/>
+                <p14:modId xmlns:p14="http://schemas.microsoft.com/office/powerpoint/2010/main" val="3068501050"/>
               </p:ext>
             </p:extLst>
           </p:nvPr>
         </p:nvGraphicFramePr>
         <p:xfrm>
-          <a:off x="637997" y="2769442"/>
-          <a:ext cx="1833356" cy="410363"/>
+          <a:off x="637996" y="2769442"/>
+          <a:ext cx="2096326" cy="410363"/>
         </p:xfrm>
         <a:graphic>
           <a:graphicData uri="http://schemas.openxmlformats.org/drawingml/2006/table">
@@ -3027,7 +3017,7 @@
                 <a:tableStyleId>{638B1855-1B75-4FBE-930C-398BA8C253C6}</a:tableStyleId>
               </a:tblPr>
               <a:tblGrid>
-                <a:gridCol w="1833356">
+                <a:gridCol w="2096326">
                   <a:extLst>
                     <a:ext uri="{9D8B030D-6E8A-4147-A177-3AD203B41FA5}">
                       <a16:colId xmlns:a16="http://schemas.microsoft.com/office/drawing/2014/main" val="4240773277"/>
@@ -3041,13 +3031,14 @@
                     <a:bodyPr/>
                     <a:lstStyle/>
                     <a:p>
+                      <a:pPr algn="ctr"/>
                       <a:r>
                         <a:rPr lang="en-SG" u="sng" dirty="0"/>
-                        <a:t>ab0:</a:t>
+                        <a:t>tdl0:</a:t>
                       </a:r>
                       <a:r>
                         <a:rPr lang="en-SG" sz="1800" u="sng" dirty="0"/>
-                        <a:t>AddressBook</a:t>
+                        <a:t>TrackedDataList</a:t>
                       </a:r>
                       <a:endParaRPr lang="en-SG" sz="1600" u="sng" dirty="0"/>
                     </a:p>
@@ -3154,6 +3145,248 @@
           </a:fontRef>
         </p:style>
       </p:cxnSp>
+      <p:graphicFrame>
+        <p:nvGraphicFramePr>
+          <p:cNvPr id="8" name="Table 7">
+            <a:extLst>
+              <a:ext uri="{FF2B5EF4-FFF2-40B4-BE49-F238E27FC236}">
+                <a16:creationId xmlns:a16="http://schemas.microsoft.com/office/drawing/2014/main" id="{FF2E80D0-64F6-49B1-B4AD-903B5741134A}"/>
+              </a:ext>
+            </a:extLst>
+          </p:cNvPr>
+          <p:cNvGraphicFramePr>
+            <a:graphicFrameLocks noGrp="1"/>
+          </p:cNvGraphicFramePr>
+          <p:nvPr>
+            <p:extLst>
+              <p:ext uri="{D42A27DB-BD31-4B8C-83A1-F6EECF244321}">
+                <p14:modId xmlns:p14="http://schemas.microsoft.com/office/powerpoint/2010/main" val="1459616487"/>
+              </p:ext>
+            </p:extLst>
+          </p:nvPr>
+        </p:nvGraphicFramePr>
+        <p:xfrm>
+          <a:off x="637996" y="2106812"/>
+          <a:ext cx="2096326" cy="410363"/>
+        </p:xfrm>
+        <a:graphic>
+          <a:graphicData uri="http://schemas.openxmlformats.org/drawingml/2006/table">
+            <a:tbl>
+              <a:tblPr>
+                <a:tableStyleId>{638B1855-1B75-4FBE-930C-398BA8C253C6}</a:tableStyleId>
+              </a:tblPr>
+              <a:tblGrid>
+                <a:gridCol w="2096326">
+                  <a:extLst>
+                    <a:ext uri="{9D8B030D-6E8A-4147-A177-3AD203B41FA5}">
+                      <a16:colId xmlns:a16="http://schemas.microsoft.com/office/drawing/2014/main" val="4240773277"/>
+                    </a:ext>
+                  </a:extLst>
+                </a:gridCol>
+              </a:tblGrid>
+              <a:tr h="410363">
+                <a:tc>
+                  <a:txBody>
+                    <a:bodyPr/>
+                    <a:lstStyle/>
+                    <a:p>
+                      <a:pPr algn="ctr"/>
+                      <a:r>
+                        <a:rPr lang="en-SG" u="sng" dirty="0"/>
+                        <a:t>td0:</a:t>
+                      </a:r>
+                      <a:r>
+                        <a:rPr lang="en-SG" sz="1800" u="sng" dirty="0"/>
+                        <a:t>TrackedData</a:t>
+                      </a:r>
+                      <a:endParaRPr lang="en-SG" sz="1600" u="sng" dirty="0"/>
+                    </a:p>
+                  </a:txBody>
+                  <a:tcPr/>
+                </a:tc>
+                <a:extLst>
+                  <a:ext uri="{0D108BD9-81ED-4DB2-BD59-A6C34878D82A}">
+                    <a16:rowId xmlns:a16="http://schemas.microsoft.com/office/drawing/2014/main" val="2194462629"/>
+                  </a:ext>
+                </a:extLst>
+              </a:tr>
+            </a:tbl>
+          </a:graphicData>
+        </a:graphic>
+      </p:graphicFrame>
+      <p:sp>
+        <p:nvSpPr>
+          <p:cNvPr id="9" name="Rectangle 8">
+            <a:extLst>
+              <a:ext uri="{FF2B5EF4-FFF2-40B4-BE49-F238E27FC236}">
+                <a16:creationId xmlns:a16="http://schemas.microsoft.com/office/drawing/2014/main" id="{44C3E7D5-0AE1-43B0-8F7F-FD6EF5CC8B90}"/>
+              </a:ext>
+            </a:extLst>
+          </p:cNvPr>
+          <p:cNvSpPr/>
+          <p:nvPr/>
+        </p:nvSpPr>
+        <p:spPr>
+          <a:xfrm>
+            <a:off x="529554" y="2006663"/>
+            <a:ext cx="11364686" cy="618187"/>
+          </a:xfrm>
+          <a:prstGeom prst="rect">
+            <a:avLst/>
+          </a:prstGeom>
+          <a:noFill/>
+          <a:ln>
+            <a:solidFill>
+              <a:schemeClr val="tx1"/>
+            </a:solidFill>
+          </a:ln>
+        </p:spPr>
+        <p:style>
+          <a:lnRef idx="2">
+            <a:schemeClr val="accent1">
+              <a:shade val="50000"/>
+            </a:schemeClr>
+          </a:lnRef>
+          <a:fillRef idx="1">
+            <a:schemeClr val="accent1"/>
+          </a:fillRef>
+          <a:effectRef idx="0">
+            <a:schemeClr val="accent1"/>
+          </a:effectRef>
+          <a:fontRef idx="minor">
+            <a:schemeClr val="lt1"/>
+          </a:fontRef>
+        </p:style>
+        <p:txBody>
+          <a:bodyPr rtlCol="0" anchor="ctr"/>
+          <a:lstStyle/>
+          <a:p>
+            <a:pPr algn="ctr"/>
+            <a:endParaRPr lang="en-US"/>
+          </a:p>
+        </p:txBody>
+      </p:sp>
+      <p:graphicFrame>
+        <p:nvGraphicFramePr>
+          <p:cNvPr id="10" name="Table 9">
+            <a:extLst>
+              <a:ext uri="{FF2B5EF4-FFF2-40B4-BE49-F238E27FC236}">
+                <a16:creationId xmlns:a16="http://schemas.microsoft.com/office/drawing/2014/main" id="{87A2CF8D-FD0D-49DC-9F9C-A5401EDCD5D5}"/>
+              </a:ext>
+            </a:extLst>
+          </p:cNvPr>
+          <p:cNvGraphicFramePr>
+            <a:graphicFrameLocks noGrp="1"/>
+          </p:cNvGraphicFramePr>
+          <p:nvPr>
+            <p:extLst>
+              <p:ext uri="{D42A27DB-BD31-4B8C-83A1-F6EECF244321}">
+                <p14:modId xmlns:p14="http://schemas.microsoft.com/office/powerpoint/2010/main" val="2076032429"/>
+              </p:ext>
+            </p:extLst>
+          </p:nvPr>
+        </p:nvGraphicFramePr>
+        <p:xfrm>
+          <a:off x="637996" y="1436640"/>
+          <a:ext cx="2096326" cy="410363"/>
+        </p:xfrm>
+        <a:graphic>
+          <a:graphicData uri="http://schemas.openxmlformats.org/drawingml/2006/table">
+            <a:tbl>
+              <a:tblPr>
+                <a:tableStyleId>{638B1855-1B75-4FBE-930C-398BA8C253C6}</a:tableStyleId>
+              </a:tblPr>
+              <a:tblGrid>
+                <a:gridCol w="2096326">
+                  <a:extLst>
+                    <a:ext uri="{9D8B030D-6E8A-4147-A177-3AD203B41FA5}">
+                      <a16:colId xmlns:a16="http://schemas.microsoft.com/office/drawing/2014/main" val="4240773277"/>
+                    </a:ext>
+                  </a:extLst>
+                </a:gridCol>
+              </a:tblGrid>
+              <a:tr h="410363">
+                <a:tc>
+                  <a:txBody>
+                    <a:bodyPr/>
+                    <a:lstStyle/>
+                    <a:p>
+                      <a:pPr algn="ctr"/>
+                      <a:r>
+                        <a:rPr lang="en-SG" u="sng" dirty="0"/>
+                        <a:t>wb0:</a:t>
+                      </a:r>
+                      <a:r>
+                        <a:rPr lang="en-SG" sz="1800" u="sng" dirty="0"/>
+                        <a:t>WorkoutBook</a:t>
+                      </a:r>
+                      <a:endParaRPr lang="en-SG" sz="1600" u="sng" dirty="0"/>
+                    </a:p>
+                  </a:txBody>
+                  <a:tcPr/>
+                </a:tc>
+                <a:extLst>
+                  <a:ext uri="{0D108BD9-81ED-4DB2-BD59-A6C34878D82A}">
+                    <a16:rowId xmlns:a16="http://schemas.microsoft.com/office/drawing/2014/main" val="2194462629"/>
+                  </a:ext>
+                </a:extLst>
+              </a:tr>
+            </a:tbl>
+          </a:graphicData>
+        </a:graphic>
+      </p:graphicFrame>
+      <p:sp>
+        <p:nvSpPr>
+          <p:cNvPr id="11" name="Rectangle 10">
+            <a:extLst>
+              <a:ext uri="{FF2B5EF4-FFF2-40B4-BE49-F238E27FC236}">
+                <a16:creationId xmlns:a16="http://schemas.microsoft.com/office/drawing/2014/main" id="{957D9499-4EE7-4C2C-A734-A5D7CD29E1C3}"/>
+              </a:ext>
+            </a:extLst>
+          </p:cNvPr>
+          <p:cNvSpPr/>
+          <p:nvPr/>
+        </p:nvSpPr>
+        <p:spPr>
+          <a:xfrm>
+            <a:off x="529554" y="1336491"/>
+            <a:ext cx="11364686" cy="618187"/>
+          </a:xfrm>
+          <a:prstGeom prst="rect">
+            <a:avLst/>
+          </a:prstGeom>
+          <a:noFill/>
+          <a:ln>
+            <a:solidFill>
+              <a:schemeClr val="tx1"/>
+            </a:solidFill>
+          </a:ln>
+        </p:spPr>
+        <p:style>
+          <a:lnRef idx="2">
+            <a:schemeClr val="accent1">
+              <a:shade val="50000"/>
+            </a:schemeClr>
+          </a:lnRef>
+          <a:fillRef idx="1">
+            <a:schemeClr val="accent1"/>
+          </a:fillRef>
+          <a:effectRef idx="0">
+            <a:schemeClr val="accent1"/>
+          </a:effectRef>
+          <a:fontRef idx="minor">
+            <a:schemeClr val="lt1"/>
+          </a:fontRef>
+        </p:style>
+        <p:txBody>
+          <a:bodyPr rtlCol="0" anchor="ctr"/>
+          <a:lstStyle/>
+          <a:p>
+            <a:pPr algn="ctr"/>
+            <a:endParaRPr lang="en-US"/>
+          </a:p>
+        </p:txBody>
+      </p:sp>
     </p:spTree>
     <p:extLst>
       <p:ext uri="{BB962C8B-B14F-4D97-AF65-F5344CB8AC3E}">
